--- a/Kannan Portfolio.pptx
+++ b/Kannan Portfolio.pptx
@@ -9,6 +9,7 @@
     <p:sldId id="257" r:id="rId3"/>
     <p:sldId id="258" r:id="rId4"/>
     <p:sldId id="259" r:id="rId5"/>
+    <p:sldId id="260" r:id="rId6"/>
   </p:sldIdLst>
   <p:sldSz cx="12192000" cy="6858000"/>
   <p:notesSz cx="6858000" cy="9144000"/>
@@ -107,6 +108,11 @@
       </a:defRPr>
     </a:lvl9pPr>
   </p:defaultTextStyle>
+  <p:extLst>
+    <p:ext uri="{EFAFB233-063F-42B5-8137-9DF3F51BA10A}">
+      <p15:sldGuideLst xmlns:p15="http://schemas.microsoft.com/office/powerpoint/2012/main"/>
+    </p:ext>
+  </p:extLst>
 </p:presentation>
 </file>
 
@@ -261,7 +267,7 @@
           <a:p>
             <a:fld id="{8C1E1FAD-7351-4908-963A-08EA8E4AB7A0}" type="datetimeFigureOut">
               <a:rPr lang="en-US" smtClean="0"/>
-              <a:t>6/8/2024</a:t>
+              <a:t>6/9/2024</a:t>
             </a:fld>
             <a:endParaRPr lang="en-US"/>
           </a:p>
@@ -459,7 +465,7 @@
           <a:p>
             <a:fld id="{8C1E1FAD-7351-4908-963A-08EA8E4AB7A0}" type="datetimeFigureOut">
               <a:rPr lang="en-US" smtClean="0"/>
-              <a:t>6/8/2024</a:t>
+              <a:t>6/9/2024</a:t>
             </a:fld>
             <a:endParaRPr lang="en-US"/>
           </a:p>
@@ -667,7 +673,7 @@
           <a:p>
             <a:fld id="{8C1E1FAD-7351-4908-963A-08EA8E4AB7A0}" type="datetimeFigureOut">
               <a:rPr lang="en-US" smtClean="0"/>
-              <a:t>6/8/2024</a:t>
+              <a:t>6/9/2024</a:t>
             </a:fld>
             <a:endParaRPr lang="en-US"/>
           </a:p>
@@ -896,7 +902,7 @@
           <a:p>
             <a:fld id="{8C1E1FAD-7351-4908-963A-08EA8E4AB7A0}" type="datetimeFigureOut">
               <a:rPr lang="en-US" smtClean="0"/>
-              <a:t>6/8/2024</a:t>
+              <a:t>6/9/2024</a:t>
             </a:fld>
             <a:endParaRPr lang="en-US"/>
           </a:p>
@@ -1173,7 +1179,7 @@
           <a:p>
             <a:fld id="{8C1E1FAD-7351-4908-963A-08EA8E4AB7A0}" type="datetimeFigureOut">
               <a:rPr lang="en-US" smtClean="0"/>
-              <a:t>6/8/2024</a:t>
+              <a:t>6/9/2024</a:t>
             </a:fld>
             <a:endParaRPr lang="en-US"/>
           </a:p>
@@ -1438,7 +1444,7 @@
           <a:p>
             <a:fld id="{8C1E1FAD-7351-4908-963A-08EA8E4AB7A0}" type="datetimeFigureOut">
               <a:rPr lang="en-US" smtClean="0"/>
-              <a:t>6/8/2024</a:t>
+              <a:t>6/9/2024</a:t>
             </a:fld>
             <a:endParaRPr lang="en-US"/>
           </a:p>
@@ -1854,7 +1860,7 @@
           <a:p>
             <a:fld id="{8C1E1FAD-7351-4908-963A-08EA8E4AB7A0}" type="datetimeFigureOut">
               <a:rPr lang="en-US" smtClean="0"/>
-              <a:t>6/8/2024</a:t>
+              <a:t>6/9/2024</a:t>
             </a:fld>
             <a:endParaRPr lang="en-US"/>
           </a:p>
@@ -2000,7 +2006,7 @@
           <a:p>
             <a:fld id="{8C1E1FAD-7351-4908-963A-08EA8E4AB7A0}" type="datetimeFigureOut">
               <a:rPr lang="en-US" smtClean="0"/>
-              <a:t>6/8/2024</a:t>
+              <a:t>6/9/2024</a:t>
             </a:fld>
             <a:endParaRPr lang="en-US"/>
           </a:p>
@@ -2113,7 +2119,7 @@
           <a:p>
             <a:fld id="{8C1E1FAD-7351-4908-963A-08EA8E4AB7A0}" type="datetimeFigureOut">
               <a:rPr lang="en-US" smtClean="0"/>
-              <a:t>6/8/2024</a:t>
+              <a:t>6/9/2024</a:t>
             </a:fld>
             <a:endParaRPr lang="en-US"/>
           </a:p>
@@ -2428,7 +2434,7 @@
           <a:p>
             <a:fld id="{8C1E1FAD-7351-4908-963A-08EA8E4AB7A0}" type="datetimeFigureOut">
               <a:rPr lang="en-US" smtClean="0"/>
-              <a:t>6/8/2024</a:t>
+              <a:t>6/9/2024</a:t>
             </a:fld>
             <a:endParaRPr lang="en-US"/>
           </a:p>
@@ -2721,7 +2727,7 @@
           <a:p>
             <a:fld id="{8C1E1FAD-7351-4908-963A-08EA8E4AB7A0}" type="datetimeFigureOut">
               <a:rPr lang="en-US" smtClean="0"/>
-              <a:t>6/8/2024</a:t>
+              <a:t>6/9/2024</a:t>
             </a:fld>
             <a:endParaRPr lang="en-US"/>
           </a:p>
@@ -2961,7 +2967,7 @@
             <a:fld id="{8C1E1FAD-7351-4908-963A-08EA8E4AB7A0}" type="datetimeFigureOut">
               <a:rPr lang="en-US" smtClean="0"/>
               <a:pPr/>
-              <a:t>6/8/2024</a:t>
+              <a:t>6/9/2024</a:t>
             </a:fld>
             <a:endParaRPr lang="en-US" dirty="0"/>
           </a:p>
@@ -8070,8 +8076,15 @@
           <a:p>
             <a:r>
               <a:rPr lang="en-US" dirty="0"/>
-              <a:t>I want to design a website which contain insight of me and my work experience.</a:t>
-            </a:r>
+              <a:t>Code Showcase: </a:t>
+            </a:r>
+            <a:r>
+              <a:rPr lang="en-US" dirty="0">
+                <a:hlinkClick r:id="rId2"/>
+              </a:rPr>
+              <a:t>https://github.com/kannan-7/Kannan-Portfolio</a:t>
+            </a:r>
+            <a:endParaRPr lang="en-US" dirty="0"/>
           </a:p>
           <a:p>
             <a:r>
@@ -8541,7 +8554,15 @@
             </a:r>
             <a:r>
               <a:rPr lang="en-US" dirty="0"/>
-              <a:t> source.</a:t>
+              <a:t> source. I have problem on creating mobile view for </a:t>
+            </a:r>
+            <a:r>
+              <a:rPr lang="en-US"/>
+              <a:t>my Portfolio </a:t>
+            </a:r>
+            <a:r>
+              <a:rPr lang="en-US" dirty="0"/>
+              <a:t>where I need more time to study on this.</a:t>
             </a:r>
           </a:p>
           <a:p>
@@ -8579,13 +8600,8 @@
             </a:pPr>
             <a:r>
               <a:rPr lang="en-US" dirty="0"/>
-              <a:t>I will include more project in my portfolio and having more interact and </a:t>
-            </a:r>
-            <a:r>
-              <a:rPr lang="en-US"/>
-              <a:t>responsive website.</a:t>
-            </a:r>
-            <a:endParaRPr lang="en-US" dirty="0"/>
+              <a:t>I will include more project in my portfolio and having more interact and responsive website.</a:t>
+            </a:r>
           </a:p>
         </p:txBody>
       </p:sp>
@@ -8593,6 +8609,78 @@
     <p:extLst>
       <p:ext uri="{BB962C8B-B14F-4D97-AF65-F5344CB8AC3E}">
         <p14:creationId xmlns:p14="http://schemas.microsoft.com/office/powerpoint/2010/main" val="1648339786"/>
+      </p:ext>
+    </p:extLst>
+  </p:cSld>
+  <p:clrMapOvr>
+    <a:masterClrMapping/>
+  </p:clrMapOvr>
+</p:sld>
+</file>
+
+<file path=ppt/slides/slide5.xml><?xml version="1.0" encoding="utf-8"?>
+<p:sld xmlns:a="http://schemas.openxmlformats.org/drawingml/2006/main" xmlns:r="http://schemas.openxmlformats.org/officeDocument/2006/relationships" xmlns:p="http://schemas.openxmlformats.org/presentationml/2006/main">
+  <p:cSld>
+    <p:spTree>
+      <p:nvGrpSpPr>
+        <p:cNvPr id="1" name=""/>
+        <p:cNvGrpSpPr/>
+        <p:nvPr/>
+      </p:nvGrpSpPr>
+      <p:grpSpPr>
+        <a:xfrm>
+          <a:off x="0" y="0"/>
+          <a:ext cx="0" cy="0"/>
+          <a:chOff x="0" y="0"/>
+          <a:chExt cx="0" cy="0"/>
+        </a:xfrm>
+      </p:grpSpPr>
+      <p:sp>
+        <p:nvSpPr>
+          <p:cNvPr id="3" name="Content Placeholder 2">
+            <a:extLst>
+              <a:ext uri="{FF2B5EF4-FFF2-40B4-BE49-F238E27FC236}">
+                <a16:creationId xmlns:a16="http://schemas.microsoft.com/office/drawing/2014/main" id="{3EF44D26-E1F4-936A-CFFD-24BCA7DE9A4E}"/>
+              </a:ext>
+            </a:extLst>
+          </p:cNvPr>
+          <p:cNvSpPr>
+            <a:spLocks noGrp="1"/>
+          </p:cNvSpPr>
+          <p:nvPr>
+            <p:ph idx="1"/>
+          </p:nvPr>
+        </p:nvSpPr>
+        <p:spPr>
+          <a:xfrm>
+            <a:off x="1219200" y="1846907"/>
+            <a:ext cx="9493250" cy="2009870"/>
+          </a:xfrm>
+        </p:spPr>
+        <p:txBody>
+          <a:bodyPr>
+            <a:normAutofit/>
+          </a:bodyPr>
+          <a:lstStyle/>
+          <a:p>
+            <a:pPr marL="0" indent="0" algn="ctr">
+              <a:buNone/>
+            </a:pPr>
+            <a:r>
+              <a:rPr lang="en-US" sz="7200" b="1" dirty="0">
+                <a:solidFill>
+                  <a:srgbClr val="FFFF00"/>
+                </a:solidFill>
+              </a:rPr>
+              <a:t>Thank You</a:t>
+            </a:r>
+          </a:p>
+        </p:txBody>
+      </p:sp>
+    </p:spTree>
+    <p:extLst>
+      <p:ext uri="{BB962C8B-B14F-4D97-AF65-F5344CB8AC3E}">
+        <p14:creationId xmlns:p14="http://schemas.microsoft.com/office/powerpoint/2010/main" val="3698384693"/>
       </p:ext>
     </p:extLst>
   </p:cSld>
